--- a/pages/events/DMCM2021_files/Berlin.pptx
+++ b/pages/events/DMCM2021_files/Berlin.pptx
@@ -197,7 +197,7 @@
           <a:p>
             <a:fld id="{8A7307B1-0FE3-1044-8DE6-F1496D903EA6}" type="datetimeFigureOut">
               <a:rPr lang="en-US" smtClean="0"/>
-              <a:t>2/19/20</a:t>
+              <a:t>11/19/20</a:t>
             </a:fld>
             <a:endParaRPr lang="en-US"/>
           </a:p>
@@ -595,7 +595,7 @@
           <a:p>
             <a:fld id="{6CA710E1-4BE7-B542-941F-58570F613323}" type="datetimeFigureOut">
               <a:rPr lang="en-US" smtClean="0"/>
-              <a:t>2/19/20</a:t>
+              <a:t>11/19/20</a:t>
             </a:fld>
             <a:endParaRPr lang="en-US"/>
           </a:p>
@@ -765,7 +765,7 @@
           <a:p>
             <a:fld id="{6CA710E1-4BE7-B542-941F-58570F613323}" type="datetimeFigureOut">
               <a:rPr lang="en-US" smtClean="0"/>
-              <a:t>2/19/20</a:t>
+              <a:t>11/19/20</a:t>
             </a:fld>
             <a:endParaRPr lang="en-US"/>
           </a:p>
@@ -945,7 +945,7 @@
           <a:p>
             <a:fld id="{6CA710E1-4BE7-B542-941F-58570F613323}" type="datetimeFigureOut">
               <a:rPr lang="en-US" smtClean="0"/>
-              <a:t>2/19/20</a:t>
+              <a:t>11/19/20</a:t>
             </a:fld>
             <a:endParaRPr lang="en-US"/>
           </a:p>
@@ -1115,7 +1115,7 @@
           <a:p>
             <a:fld id="{6CA710E1-4BE7-B542-941F-58570F613323}" type="datetimeFigureOut">
               <a:rPr lang="en-US" smtClean="0"/>
-              <a:t>2/19/20</a:t>
+              <a:t>11/19/20</a:t>
             </a:fld>
             <a:endParaRPr lang="en-US"/>
           </a:p>
@@ -1359,7 +1359,7 @@
           <a:p>
             <a:fld id="{6CA710E1-4BE7-B542-941F-58570F613323}" type="datetimeFigureOut">
               <a:rPr lang="en-US" smtClean="0"/>
-              <a:t>2/19/20</a:t>
+              <a:t>11/19/20</a:t>
             </a:fld>
             <a:endParaRPr lang="en-US"/>
           </a:p>
@@ -1591,7 +1591,7 @@
           <a:p>
             <a:fld id="{6CA710E1-4BE7-B542-941F-58570F613323}" type="datetimeFigureOut">
               <a:rPr lang="en-US" smtClean="0"/>
-              <a:t>2/19/20</a:t>
+              <a:t>11/19/20</a:t>
             </a:fld>
             <a:endParaRPr lang="en-US"/>
           </a:p>
@@ -1958,7 +1958,7 @@
           <a:p>
             <a:fld id="{6CA710E1-4BE7-B542-941F-58570F613323}" type="datetimeFigureOut">
               <a:rPr lang="en-US" smtClean="0"/>
-              <a:t>2/19/20</a:t>
+              <a:t>11/19/20</a:t>
             </a:fld>
             <a:endParaRPr lang="en-US"/>
           </a:p>
@@ -2076,7 +2076,7 @@
           <a:p>
             <a:fld id="{6CA710E1-4BE7-B542-941F-58570F613323}" type="datetimeFigureOut">
               <a:rPr lang="en-US" smtClean="0"/>
-              <a:t>2/19/20</a:t>
+              <a:t>11/19/20</a:t>
             </a:fld>
             <a:endParaRPr lang="en-US"/>
           </a:p>
@@ -2171,7 +2171,7 @@
           <a:p>
             <a:fld id="{6CA710E1-4BE7-B542-941F-58570F613323}" type="datetimeFigureOut">
               <a:rPr lang="en-US" smtClean="0"/>
-              <a:t>2/19/20</a:t>
+              <a:t>11/19/20</a:t>
             </a:fld>
             <a:endParaRPr lang="en-US"/>
           </a:p>
@@ -2448,7 +2448,7 @@
           <a:p>
             <a:fld id="{6CA710E1-4BE7-B542-941F-58570F613323}" type="datetimeFigureOut">
               <a:rPr lang="en-US" smtClean="0"/>
-              <a:t>2/19/20</a:t>
+              <a:t>11/19/20</a:t>
             </a:fld>
             <a:endParaRPr lang="en-US"/>
           </a:p>
@@ -2705,7 +2705,7 @@
           <a:p>
             <a:fld id="{6CA710E1-4BE7-B542-941F-58570F613323}" type="datetimeFigureOut">
               <a:rPr lang="en-US" smtClean="0"/>
-              <a:t>2/19/20</a:t>
+              <a:t>11/19/20</a:t>
             </a:fld>
             <a:endParaRPr lang="en-US"/>
           </a:p>
@@ -2918,7 +2918,7 @@
           <a:p>
             <a:fld id="{6CA710E1-4BE7-B542-941F-58570F613323}" type="datetimeFigureOut">
               <a:rPr lang="en-US" smtClean="0"/>
-              <a:t>2/19/20</a:t>
+              <a:t>11/19/20</a:t>
             </a:fld>
             <a:endParaRPr lang="en-US"/>
           </a:p>
@@ -3325,10 +3325,10 @@
       </p:grpSpPr>
       <p:grpSp>
         <p:nvGrpSpPr>
-          <p:cNvPr id="7" name="Group 6">
+          <p:cNvPr id="2" name="Group 1">
             <a:extLst>
               <a:ext uri="{FF2B5EF4-FFF2-40B4-BE49-F238E27FC236}">
-                <a16:creationId xmlns:a16="http://schemas.microsoft.com/office/drawing/2014/main" id="{0F05455D-1B9E-9742-85B8-4D4132EE75FA}"/>
+                <a16:creationId xmlns:a16="http://schemas.microsoft.com/office/drawing/2014/main" id="{DB42C420-DB18-E645-A462-23FA93E99EFA}"/>
               </a:ext>
             </a:extLst>
           </p:cNvPr>
@@ -3337,10 +3337,10 @@
         </p:nvGrpSpPr>
         <p:grpSpPr>
           <a:xfrm>
-            <a:off x="15305881" y="12750006"/>
-            <a:ext cx="12192000" cy="4775200"/>
-            <a:chOff x="15305881" y="12750006"/>
-            <a:chExt cx="12192000" cy="4775200"/>
+            <a:off x="15305881" y="12750005"/>
+            <a:ext cx="12192000" cy="4775201"/>
+            <a:chOff x="15305881" y="12750005"/>
+            <a:chExt cx="12192000" cy="4775201"/>
           </a:xfrm>
         </p:grpSpPr>
         <p:pic>
@@ -3373,6 +3373,59 @@
             </a:prstGeom>
           </p:spPr>
         </p:pic>
+        <p:sp>
+          <p:nvSpPr>
+            <p:cNvPr id="8" name="Rectangle 2">
+              <a:extLst>
+                <a:ext uri="{FF2B5EF4-FFF2-40B4-BE49-F238E27FC236}">
+                  <a16:creationId xmlns:a16="http://schemas.microsoft.com/office/drawing/2014/main" id="{7FBDBCEC-2A3E-A64B-B2E3-F1A38142AF01}"/>
+                </a:ext>
+              </a:extLst>
+            </p:cNvPr>
+            <p:cNvSpPr>
+              <a:spLocks/>
+            </p:cNvSpPr>
+            <p:nvPr/>
+          </p:nvSpPr>
+          <p:spPr bwMode="auto">
+            <a:xfrm>
+              <a:off x="15305881" y="12750005"/>
+              <a:ext cx="12192000" cy="4775199"/>
+            </a:xfrm>
+            <a:prstGeom prst="rect">
+              <a:avLst/>
+            </a:prstGeom>
+            <a:solidFill>
+              <a:srgbClr val="000000">
+                <a:alpha val="15294"/>
+              </a:srgbClr>
+            </a:solidFill>
+            <a:ln>
+              <a:noFill/>
+            </a:ln>
+            <a:extLst>
+              <a:ext uri="{91240B29-F687-4f45-9708-019B960494DF}">
+                <a14:hiddenLine xmlns:a14="http://schemas.microsoft.com/office/drawing/2010/main" xmlns="" w="12700">
+                  <a:solidFill>
+                    <a:srgbClr val="000000">
+                      <a:alpha val="29803"/>
+                    </a:srgbClr>
+                  </a:solidFill>
+                  <a:miter lim="800000"/>
+                  <a:headEnd/>
+                  <a:tailEnd/>
+                </a14:hiddenLine>
+              </a:ext>
+            </a:extLst>
+          </p:spPr>
+          <p:txBody>
+            <a:bodyPr lIns="0" tIns="180000" rIns="0" bIns="0" anchor="b" anchorCtr="0"/>
+            <a:lstStyle/>
+            <a:p>
+              <a:endParaRPr lang="fr-FR" dirty="0"/>
+            </a:p>
+          </p:txBody>
+        </p:sp>
         <p:sp>
           <p:nvSpPr>
             <p:cNvPr id="6" name="TextBox 5">
@@ -3409,7 +3462,7 @@
                   <a:latin typeface="Arial" panose="020B0604020202020204" pitchFamily="34" charset="0"/>
                   <a:cs typeface="Arial" panose="020B0604020202020204" pitchFamily="34" charset="0"/>
                 </a:rPr>
-                <a:t>5th Disease Maps Community Meeting</a:t>
+                <a:t>6th Disease Maps Community Meeting</a:t>
               </a:r>
             </a:p>
             <a:p>
@@ -3421,7 +3474,7 @@
                   <a:latin typeface="Arial" panose="020B0604020202020204" pitchFamily="34" charset="0"/>
                   <a:cs typeface="Arial" panose="020B0604020202020204" pitchFamily="34" charset="0"/>
                 </a:rPr>
-                <a:t>Berlin, 12-14 November 2020</a:t>
+                <a:t>Berlin, 27-29 October 2021</a:t>
               </a:r>
             </a:p>
           </p:txBody>
